--- a/A4/figure.pptx
+++ b/A4/figure.pptx
@@ -4733,7 +4733,7 @@
                 <a:ea typeface="Calibri" panose="020F0502020204030204" pitchFamily="34" charset="0"/>
                 <a:cs typeface="Calibri" panose="020F0502020204030204" pitchFamily="34" charset="0"/>
               </a:rPr>
-              <a:t>1</a:t>
+              <a:t>0</a:t>
             </a:r>
             <a:endParaRPr lang="ko-KR" altLang="en-US">
               <a:latin typeface="Calibri" panose="020F0502020204030204" pitchFamily="34" charset="0"/>
